--- a/5-clean-functions.pptx
+++ b/5-clean-functions.pptx
@@ -260,7 +260,7 @@
             <a:fld id="{C8DD52B1-A155-485A-B2C1-4BCDDD0122CD}" type="datetimeFigureOut">
               <a:rPr lang="el-GR" smtClean="0"/>
               <a:pPr/>
-              <a:t>4/11/2021</a:t>
+              <a:t>2/11/2022</a:t>
             </a:fld>
             <a:endParaRPr lang="el-GR"/>
           </a:p>
@@ -422,7 +422,7 @@
             <a:fld id="{DC17DF70-03C8-4BDB-82BF-9C076E474B74}" type="datetimeFigureOut">
               <a:rPr lang="el-GR" smtClean="0"/>
               <a:pPr/>
-              <a:t>4/11/2021</a:t>
+              <a:t>2/11/2022</a:t>
             </a:fld>
             <a:endParaRPr lang="el-GR"/>
           </a:p>
@@ -6121,7 +6121,7 @@
             <a:fld id="{1D8BD707-D9CF-40AE-B4C6-C98DA3205C09}" type="datetimeFigureOut">
               <a:rPr lang="en-US" smtClean="0"/>
               <a:pPr/>
-              <a:t>11/4/2021</a:t>
+              <a:t>11/2/2022</a:t>
             </a:fld>
             <a:endParaRPr lang="en-US"/>
           </a:p>
@@ -6482,7 +6482,7 @@
             <a:fld id="{1D8BD707-D9CF-40AE-B4C6-C98DA3205C09}" type="datetimeFigureOut">
               <a:rPr lang="en-US" smtClean="0"/>
               <a:pPr/>
-              <a:t>11/4/2021</a:t>
+              <a:t>11/2/2022</a:t>
             </a:fld>
             <a:endParaRPr lang="en-US"/>
           </a:p>
@@ -6659,7 +6659,7 @@
             <a:fld id="{1D8BD707-D9CF-40AE-B4C6-C98DA3205C09}" type="datetimeFigureOut">
               <a:rPr lang="en-US" smtClean="0"/>
               <a:pPr/>
-              <a:t>11/4/2021</a:t>
+              <a:t>11/2/2022</a:t>
             </a:fld>
             <a:endParaRPr lang="en-US"/>
           </a:p>
@@ -6896,7 +6896,7 @@
             <a:fld id="{1D8BD707-D9CF-40AE-B4C6-C98DA3205C09}" type="datetimeFigureOut">
               <a:rPr lang="en-US" smtClean="0"/>
               <a:pPr/>
-              <a:t>11/4/2021</a:t>
+              <a:t>11/2/2022</a:t>
             </a:fld>
             <a:endParaRPr lang="en-US"/>
           </a:p>
@@ -7167,7 +7167,7 @@
             <a:fld id="{1D8BD707-D9CF-40AE-B4C6-C98DA3205C09}" type="datetimeFigureOut">
               <a:rPr lang="en-US" smtClean="0"/>
               <a:pPr/>
-              <a:t>11/4/2021</a:t>
+              <a:t>11/2/2022</a:t>
             </a:fld>
             <a:endParaRPr lang="en-US"/>
           </a:p>
@@ -7389,7 +7389,7 @@
             <a:fld id="{1D8BD707-D9CF-40AE-B4C6-C98DA3205C09}" type="datetimeFigureOut">
               <a:rPr lang="en-US" smtClean="0"/>
               <a:pPr/>
-              <a:t>11/4/2021</a:t>
+              <a:t>11/2/2022</a:t>
             </a:fld>
             <a:endParaRPr lang="en-US"/>
           </a:p>
@@ -7743,7 +7743,7 @@
             <a:fld id="{1D8BD707-D9CF-40AE-B4C6-C98DA3205C09}" type="datetimeFigureOut">
               <a:rPr lang="en-US" smtClean="0"/>
               <a:pPr/>
-              <a:t>11/4/2021</a:t>
+              <a:t>11/2/2022</a:t>
             </a:fld>
             <a:endParaRPr lang="en-US"/>
           </a:p>
@@ -7977,7 +7977,7 @@
             <a:fld id="{1D8BD707-D9CF-40AE-B4C6-C98DA3205C09}" type="datetimeFigureOut">
               <a:rPr lang="en-US" smtClean="0"/>
               <a:pPr/>
-              <a:t>11/4/2021</a:t>
+              <a:t>11/2/2022</a:t>
             </a:fld>
             <a:endParaRPr lang="en-US"/>
           </a:p>
@@ -8119,7 +8119,7 @@
             <a:fld id="{1D8BD707-D9CF-40AE-B4C6-C98DA3205C09}" type="datetimeFigureOut">
               <a:rPr lang="en-US" smtClean="0"/>
               <a:pPr/>
-              <a:t>11/4/2021</a:t>
+              <a:t>11/2/2022</a:t>
             </a:fld>
             <a:endParaRPr lang="en-US"/>
           </a:p>
@@ -8398,7 +8398,7 @@
             <a:fld id="{1D8BD707-D9CF-40AE-B4C6-C98DA3205C09}" type="datetimeFigureOut">
               <a:rPr lang="en-US" smtClean="0"/>
               <a:pPr/>
-              <a:t>11/4/2021</a:t>
+              <a:t>11/2/2022</a:t>
             </a:fld>
             <a:endParaRPr lang="en-US"/>
           </a:p>
@@ -8807,7 +8807,7 @@
             <a:fld id="{1D8BD707-D9CF-40AE-B4C6-C98DA3205C09}" type="datetimeFigureOut">
               <a:rPr lang="en-US" smtClean="0"/>
               <a:pPr/>
-              <a:t>11/4/2021</a:t>
+              <a:t>11/2/2022</a:t>
             </a:fld>
             <a:endParaRPr lang="en-US"/>
           </a:p>
@@ -9147,7 +9147,7 @@
             <a:fld id="{1D8BD707-D9CF-40AE-B4C6-C98DA3205C09}" type="datetimeFigureOut">
               <a:rPr lang="en-US" smtClean="0"/>
               <a:pPr/>
-              <a:t>11/4/2021</a:t>
+              <a:t>11/2/2022</a:t>
             </a:fld>
             <a:endParaRPr lang="en-US"/>
           </a:p>
@@ -9888,12 +9888,24 @@
               <a:t>Therefore, </a:t>
             </a:r>
             <a:r>
+              <a:rPr lang="el-GR" dirty="0" smtClean="0"/>
+              <a:t> </a:t>
+            </a:r>
+            <a:r>
               <a:rPr lang="en-US" dirty="0" smtClean="0">
                 <a:solidFill>
                   <a:srgbClr val="FF0000"/>
                 </a:solidFill>
               </a:rPr>
-              <a:t>the indent level </a:t>
+              <a:t>the </a:t>
+            </a:r>
+            <a:r>
+              <a:rPr lang="en-US" dirty="0" smtClean="0">
+                <a:solidFill>
+                  <a:srgbClr val="FF0000"/>
+                </a:solidFill>
+              </a:rPr>
+              <a:t>indent level </a:t>
             </a:r>
             <a:r>
               <a:rPr lang="en-US" dirty="0" smtClean="0"/>
@@ -10901,7 +10913,15 @@
             </a:r>
             <a:r>
               <a:rPr lang="en-US" dirty="0" smtClean="0"/>
-              <a:t>they explain how to construct a page  that comprises setup and teardown parts. </a:t>
+              <a:t>they explain how to construct a page </a:t>
+            </a:r>
+            <a:r>
+              <a:rPr lang="en-US" dirty="0" smtClean="0"/>
+              <a:t>that </a:t>
+            </a:r>
+            <a:r>
+              <a:rPr lang="en-US" dirty="0" smtClean="0"/>
+              <a:t>comprises setup and teardown parts. </a:t>
             </a:r>
           </a:p>
         </p:txBody>
@@ -30967,10 +30987,22 @@
             </a:r>
             <a:r>
               <a:rPr lang="en-US" dirty="0" smtClean="0"/>
-              <a:t>from command functions is a subtle </a:t>
-            </a:r>
-            <a:r>
-              <a:rPr lang="en-US" dirty="0" smtClean="0">
+              <a:t>from command functions is a </a:t>
+            </a:r>
+            <a:r>
+              <a:rPr lang="en-US" b="1" dirty="0" smtClean="0">
+                <a:solidFill>
+                  <a:srgbClr val="FF0000"/>
+                </a:solidFill>
+              </a:rPr>
+              <a:t>subtle</a:t>
+            </a:r>
+            <a:r>
+              <a:rPr lang="en-US" dirty="0" smtClean="0"/>
+              <a:t> </a:t>
+            </a:r>
+            <a:r>
+              <a:rPr lang="en-US" b="1" dirty="0" smtClean="0">
                 <a:solidFill>
                   <a:srgbClr val="FF0000"/>
                 </a:solidFill>
@@ -34940,7 +34972,19 @@
             <a:pPr algn="just"/>
             <a:r>
               <a:rPr lang="en-US" dirty="0" smtClean="0"/>
-              <a:t>In the eighties they used to say that a function should be </a:t>
+              <a:t>In the </a:t>
+            </a:r>
+            <a:r>
+              <a:rPr lang="en-US" b="1" dirty="0" smtClean="0">
+                <a:solidFill>
+                  <a:srgbClr val="FF0000"/>
+                </a:solidFill>
+              </a:rPr>
+              <a:t>eighties</a:t>
+            </a:r>
+            <a:r>
+              <a:rPr lang="en-US" dirty="0" smtClean="0"/>
+              <a:t> they used to say that a function should be </a:t>
             </a:r>
             <a:r>
               <a:rPr lang="en-US" dirty="0" smtClean="0">
@@ -36480,7 +36524,19 @@
             </a:r>
             <a:r>
               <a:rPr lang="en-US" dirty="0" smtClean="0"/>
-              <a:t>, and so on should be </a:t>
+              <a:t>, </a:t>
+            </a:r>
+            <a:r>
+              <a:rPr lang="el-GR" dirty="0" smtClean="0"/>
+              <a:t> </a:t>
+            </a:r>
+            <a:r>
+              <a:rPr lang="en-US" dirty="0" smtClean="0"/>
+              <a:t>and </a:t>
+            </a:r>
+            <a:r>
+              <a:rPr lang="en-US" dirty="0" smtClean="0"/>
+              <a:t>so on should be </a:t>
             </a:r>
             <a:r>
               <a:rPr lang="en-US" dirty="0" smtClean="0">
